--- a/docs/part2os/02_C/OS_Lecture_02.pptx
+++ b/docs/part2os/02_C/OS_Lecture_02.pptx
@@ -5,10 +5,10 @@
     <p:sldMasterId id="2147483648" r:id="rId1"/>
   </p:sldMasterIdLst>
   <p:notesMasterIdLst>
-    <p:notesMasterId r:id="rId12"/>
+    <p:notesMasterId r:id="rId17"/>
   </p:notesMasterIdLst>
   <p:handoutMasterIdLst>
-    <p:handoutMasterId r:id="rId13"/>
+    <p:handoutMasterId r:id="rId18"/>
   </p:handoutMasterIdLst>
   <p:sldIdLst>
     <p:sldId id="256" r:id="rId2"/>
@@ -20,7 +20,12 @@
     <p:sldId id="301" r:id="rId8"/>
     <p:sldId id="302" r:id="rId9"/>
     <p:sldId id="303" r:id="rId10"/>
-    <p:sldId id="272" r:id="rId11"/>
+    <p:sldId id="304" r:id="rId11"/>
+    <p:sldId id="306" r:id="rId12"/>
+    <p:sldId id="305" r:id="rId13"/>
+    <p:sldId id="307" r:id="rId14"/>
+    <p:sldId id="308" r:id="rId15"/>
+    <p:sldId id="272" r:id="rId16"/>
   </p:sldIdLst>
   <p:sldSz cx="12192000" cy="6858000"/>
   <p:notesSz cx="6858000" cy="9144000"/>
@@ -121,7 +126,7 @@
   </p:defaultTextStyle>
   <p:extLst>
     <p:ext uri="{EFAFB233-063F-42B5-8137-9DF3F51BA10A}">
-      <p15:sldGuideLst xmlns:p15="http://schemas.microsoft.com/office/powerpoint/2012/main" xmlns="">
+      <p15:sldGuideLst xmlns="" xmlns:p15="http://schemas.microsoft.com/office/powerpoint/2012/main">
         <p15:guide id="1" orient="horz" pos="2160">
           <p15:clr>
             <a:srgbClr val="A4A3A4"/>
@@ -135,7 +140,7 @@
       </p15:sldGuideLst>
     </p:ext>
     <p:ext uri="{2D200454-40CA-4A62-9FC3-DE9A4176ACB9}">
-      <p15:notesGuideLst xmlns:p15="http://schemas.microsoft.com/office/powerpoint/2012/main" xmlns="">
+      <p15:notesGuideLst xmlns="" xmlns:p15="http://schemas.microsoft.com/office/powerpoint/2012/main">
         <p15:guide id="1" orient="horz" pos="2880">
           <p15:clr>
             <a:srgbClr val="A4A3A4"/>
@@ -319,7 +324,7 @@
     </p:spTree>
     <p:extLst>
       <p:ext uri="{BB962C8B-B14F-4D97-AF65-F5344CB8AC3E}">
-        <p14:creationId xmlns:p14="http://schemas.microsoft.com/office/powerpoint/2010/main" xmlns="" val="827279973"/>
+        <p14:creationId xmlns="" xmlns:p14="http://schemas.microsoft.com/office/powerpoint/2010/main" val="827279973"/>
       </p:ext>
     </p:extLst>
   </p:cSld>
@@ -580,7 +585,7 @@
     </p:spTree>
     <p:extLst>
       <p:ext uri="{BB962C8B-B14F-4D97-AF65-F5344CB8AC3E}">
-        <p14:creationId xmlns:p14="http://schemas.microsoft.com/office/powerpoint/2010/main" xmlns="" val="3865021395"/>
+        <p14:creationId xmlns="" xmlns:p14="http://schemas.microsoft.com/office/powerpoint/2010/main" val="3865021395"/>
       </p:ext>
     </p:extLst>
   </p:cSld>
@@ -794,7 +799,7 @@
     </p:spTree>
     <p:extLst>
       <p:ext uri="{BB962C8B-B14F-4D97-AF65-F5344CB8AC3E}">
-        <p14:creationId xmlns:p14="http://schemas.microsoft.com/office/powerpoint/2010/main" xmlns="" val="2381791527"/>
+        <p14:creationId xmlns="" xmlns:p14="http://schemas.microsoft.com/office/powerpoint/2010/main" val="2381791527"/>
       </p:ext>
     </p:extLst>
   </p:cSld>
@@ -908,7 +913,7 @@
             <a:fld id="{5583B3A5-99BF-45D9-956B-DC57CC23AD97}" type="slidenum">
               <a:rPr lang="ru-RU" smtClean="0"/>
               <a:pPr/>
-              <a:t>10</a:t>
+              <a:t>15</a:t>
             </a:fld>
             <a:endParaRPr lang="ru-RU"/>
           </a:p>
@@ -917,7 +922,7 @@
     </p:spTree>
     <p:extLst>
       <p:ext uri="{BB962C8B-B14F-4D97-AF65-F5344CB8AC3E}">
-        <p14:creationId xmlns:p14="http://schemas.microsoft.com/office/powerpoint/2010/main" xmlns="" val="1915950851"/>
+        <p14:creationId xmlns="" xmlns:p14="http://schemas.microsoft.com/office/powerpoint/2010/main" val="1915950851"/>
       </p:ext>
     </p:extLst>
   </p:cSld>
@@ -1177,7 +1182,7 @@
     </p:spTree>
     <p:extLst>
       <p:ext uri="{BB962C8B-B14F-4D97-AF65-F5344CB8AC3E}">
-        <p14:creationId xmlns:p14="http://schemas.microsoft.com/office/powerpoint/2010/main" xmlns="" val="322455162"/>
+        <p14:creationId xmlns="" xmlns:p14="http://schemas.microsoft.com/office/powerpoint/2010/main" val="322455162"/>
       </p:ext>
     </p:extLst>
   </p:cSld>
@@ -1351,7 +1356,7 @@
     </p:spTree>
     <p:extLst>
       <p:ext uri="{BB962C8B-B14F-4D97-AF65-F5344CB8AC3E}">
-        <p14:creationId xmlns:p14="http://schemas.microsoft.com/office/powerpoint/2010/main" xmlns="" val="971117636"/>
+        <p14:creationId xmlns="" xmlns:p14="http://schemas.microsoft.com/office/powerpoint/2010/main" val="971117636"/>
       </p:ext>
     </p:extLst>
   </p:cSld>
@@ -1528,7 +1533,7 @@
     </p:spTree>
     <p:extLst>
       <p:ext uri="{BB962C8B-B14F-4D97-AF65-F5344CB8AC3E}">
-        <p14:creationId xmlns:p14="http://schemas.microsoft.com/office/powerpoint/2010/main" xmlns="" val="3348877825"/>
+        <p14:creationId xmlns="" xmlns:p14="http://schemas.microsoft.com/office/powerpoint/2010/main" val="3348877825"/>
       </p:ext>
     </p:extLst>
   </p:cSld>
@@ -1853,7 +1858,7 @@
     </p:spTree>
     <p:extLst>
       <p:ext uri="{BB962C8B-B14F-4D97-AF65-F5344CB8AC3E}">
-        <p14:creationId xmlns:p14="http://schemas.microsoft.com/office/powerpoint/2010/main" xmlns="" val="3256953994"/>
+        <p14:creationId xmlns="" xmlns:p14="http://schemas.microsoft.com/office/powerpoint/2010/main" val="3256953994"/>
       </p:ext>
     </p:extLst>
   </p:cSld>
@@ -2103,7 +2108,7 @@
     </p:spTree>
     <p:extLst>
       <p:ext uri="{BB962C8B-B14F-4D97-AF65-F5344CB8AC3E}">
-        <p14:creationId xmlns:p14="http://schemas.microsoft.com/office/powerpoint/2010/main" xmlns="" val="3067076846"/>
+        <p14:creationId xmlns="" xmlns:p14="http://schemas.microsoft.com/office/powerpoint/2010/main" val="3067076846"/>
       </p:ext>
     </p:extLst>
   </p:cSld>
@@ -2339,7 +2344,7 @@
     </p:spTree>
     <p:extLst>
       <p:ext uri="{BB962C8B-B14F-4D97-AF65-F5344CB8AC3E}">
-        <p14:creationId xmlns:p14="http://schemas.microsoft.com/office/powerpoint/2010/main" xmlns="" val="3710015975"/>
+        <p14:creationId xmlns="" xmlns:p14="http://schemas.microsoft.com/office/powerpoint/2010/main" val="3710015975"/>
       </p:ext>
     </p:extLst>
   </p:cSld>
@@ -2710,7 +2715,7 @@
     </p:spTree>
     <p:extLst>
       <p:ext uri="{BB962C8B-B14F-4D97-AF65-F5344CB8AC3E}">
-        <p14:creationId xmlns:p14="http://schemas.microsoft.com/office/powerpoint/2010/main" xmlns="" val="4075590966"/>
+        <p14:creationId xmlns="" xmlns:p14="http://schemas.microsoft.com/office/powerpoint/2010/main" val="4075590966"/>
       </p:ext>
     </p:extLst>
   </p:cSld>
@@ -2832,7 +2837,7 @@
     </p:spTree>
     <p:extLst>
       <p:ext uri="{BB962C8B-B14F-4D97-AF65-F5344CB8AC3E}">
-        <p14:creationId xmlns:p14="http://schemas.microsoft.com/office/powerpoint/2010/main" xmlns="" val="2889604898"/>
+        <p14:creationId xmlns="" xmlns:p14="http://schemas.microsoft.com/office/powerpoint/2010/main" val="2889604898"/>
       </p:ext>
     </p:extLst>
   </p:cSld>
@@ -2931,7 +2936,7 @@
     </p:spTree>
     <p:extLst>
       <p:ext uri="{BB962C8B-B14F-4D97-AF65-F5344CB8AC3E}">
-        <p14:creationId xmlns:p14="http://schemas.microsoft.com/office/powerpoint/2010/main" xmlns="" val="152384765"/>
+        <p14:creationId xmlns="" xmlns:p14="http://schemas.microsoft.com/office/powerpoint/2010/main" val="152384765"/>
       </p:ext>
     </p:extLst>
   </p:cSld>
@@ -3212,7 +3217,7 @@
     </p:spTree>
     <p:extLst>
       <p:ext uri="{BB962C8B-B14F-4D97-AF65-F5344CB8AC3E}">
-        <p14:creationId xmlns:p14="http://schemas.microsoft.com/office/powerpoint/2010/main" xmlns="" val="2127791886"/>
+        <p14:creationId xmlns="" xmlns:p14="http://schemas.microsoft.com/office/powerpoint/2010/main" val="2127791886"/>
       </p:ext>
     </p:extLst>
   </p:cSld>
@@ -3469,7 +3474,7 @@
     </p:spTree>
     <p:extLst>
       <p:ext uri="{BB962C8B-B14F-4D97-AF65-F5344CB8AC3E}">
-        <p14:creationId xmlns:p14="http://schemas.microsoft.com/office/powerpoint/2010/main" xmlns="" val="1752705130"/>
+        <p14:creationId xmlns="" xmlns:p14="http://schemas.microsoft.com/office/powerpoint/2010/main" val="1752705130"/>
       </p:ext>
     </p:extLst>
   </p:cSld>
@@ -3722,7 +3727,7 @@
     </p:spTree>
     <p:extLst>
       <p:ext uri="{BB962C8B-B14F-4D97-AF65-F5344CB8AC3E}">
-        <p14:creationId xmlns:p14="http://schemas.microsoft.com/office/powerpoint/2010/main" xmlns="" val="968833914"/>
+        <p14:creationId xmlns="" xmlns:p14="http://schemas.microsoft.com/office/powerpoint/2010/main" val="968833914"/>
       </p:ext>
     </p:extLst>
   </p:cSld>
@@ -4109,11 +4114,7 @@
             </a:r>
             <a:r>
               <a:rPr lang="en-US" b="1" dirty="0" smtClean="0"/>
-              <a:t>: </a:t>
-            </a:r>
-            <a:r>
-              <a:rPr lang="en-US" b="1" dirty="0" smtClean="0"/>
-              <a:t>The C Programming Language</a:t>
+              <a:t>: The C Programming Language</a:t>
             </a:r>
             <a:endParaRPr lang="en-US" b="1" dirty="0"/>
           </a:p>
@@ -4216,7 +4217,7 @@
     </p:spTree>
     <p:extLst>
       <p:ext uri="{BB962C8B-B14F-4D97-AF65-F5344CB8AC3E}">
-        <p14:creationId xmlns:p14="http://schemas.microsoft.com/office/powerpoint/2010/main" xmlns="" val="2492894732"/>
+        <p14:creationId xmlns="" xmlns:p14="http://schemas.microsoft.com/office/powerpoint/2010/main" val="2492894732"/>
       </p:ext>
     </p:extLst>
   </p:cSld>
@@ -4252,6 +4253,1238 @@
       </p:grpSpPr>
       <p:sp>
         <p:nvSpPr>
+          <p:cNvPr id="2" name="Содержимое 1"/>
+          <p:cNvSpPr>
+            <a:spLocks noGrp="1"/>
+          </p:cNvSpPr>
+          <p:nvPr>
+            <p:ph idx="1"/>
+          </p:nvPr>
+        </p:nvSpPr>
+        <p:spPr/>
+        <p:txBody>
+          <a:bodyPr>
+            <a:normAutofit/>
+          </a:bodyPr>
+          <a:lstStyle/>
+          <a:p>
+            <a:pPr>
+              <a:spcBef>
+                <a:spcPts val="1200"/>
+              </a:spcBef>
+            </a:pPr>
+            <a:r>
+              <a:rPr lang="en-US" dirty="0" smtClean="0"/>
+              <a:t>Place </a:t>
+            </a:r>
+            <a:r>
+              <a:rPr lang="en-US" dirty="0" smtClean="0"/>
+              <a:t>for variables that </a:t>
+            </a:r>
+            <a:r>
+              <a:rPr lang="en-US" dirty="0" smtClean="0"/>
+              <a:t>persist</a:t>
+            </a:r>
+          </a:p>
+          <a:p>
+            <a:pPr lvl="1">
+              <a:spcBef>
+                <a:spcPts val="1200"/>
+              </a:spcBef>
+            </a:pPr>
+            <a:r>
+              <a:rPr lang="en-US" dirty="0" smtClean="0"/>
+              <a:t>Data </a:t>
+            </a:r>
+            <a:r>
+              <a:rPr lang="en-US" dirty="0" smtClean="0"/>
+              <a:t>not subject to comings and goings like function </a:t>
+            </a:r>
+            <a:r>
+              <a:rPr lang="en-US" dirty="0" smtClean="0"/>
+              <a:t>calls</a:t>
+            </a:r>
+          </a:p>
+          <a:p>
+            <a:pPr lvl="1">
+              <a:spcBef>
+                <a:spcPts val="1200"/>
+              </a:spcBef>
+            </a:pPr>
+            <a:r>
+              <a:rPr lang="en-US" dirty="0" smtClean="0"/>
+              <a:t>Examples</a:t>
+            </a:r>
+            <a:r>
+              <a:rPr lang="en-US" dirty="0" smtClean="0"/>
+              <a:t>: </a:t>
+            </a:r>
+            <a:r>
+              <a:rPr lang="en-US" dirty="0" smtClean="0"/>
+              <a:t>string </a:t>
+            </a:r>
+            <a:r>
+              <a:rPr lang="en-US" dirty="0" smtClean="0"/>
+              <a:t>literals, global </a:t>
+            </a:r>
+            <a:r>
+              <a:rPr lang="en-US" dirty="0" smtClean="0"/>
+              <a:t>variables</a:t>
+            </a:r>
+          </a:p>
+          <a:p>
+            <a:pPr lvl="1">
+              <a:spcBef>
+                <a:spcPts val="1200"/>
+              </a:spcBef>
+            </a:pPr>
+            <a:r>
+              <a:rPr lang="en-US" dirty="0" smtClean="0"/>
+              <a:t>String </a:t>
+            </a:r>
+            <a:r>
+              <a:rPr lang="en-US" dirty="0" smtClean="0"/>
+              <a:t>literal example: char * </a:t>
+            </a:r>
+            <a:r>
+              <a:rPr lang="en-US" dirty="0" err="1" smtClean="0"/>
+              <a:t>str</a:t>
+            </a:r>
+            <a:r>
+              <a:rPr lang="en-US" dirty="0" smtClean="0"/>
+              <a:t> = “hi</a:t>
+            </a:r>
+            <a:r>
+              <a:rPr lang="en-US" dirty="0" smtClean="0"/>
+              <a:t>”;</a:t>
+            </a:r>
+          </a:p>
+          <a:p>
+            <a:pPr lvl="1">
+              <a:spcBef>
+                <a:spcPts val="1200"/>
+              </a:spcBef>
+            </a:pPr>
+            <a:r>
+              <a:rPr lang="en-US" dirty="0" smtClean="0"/>
+              <a:t>Do </a:t>
+            </a:r>
+            <a:r>
+              <a:rPr lang="en-US" dirty="0" smtClean="0"/>
+              <a:t>not be mistaken with: char </a:t>
+            </a:r>
+            <a:r>
+              <a:rPr lang="en-US" dirty="0" err="1" smtClean="0"/>
+              <a:t>str</a:t>
+            </a:r>
+            <a:r>
+              <a:rPr lang="en-US" dirty="0" smtClean="0"/>
+              <a:t>[] = “hi</a:t>
+            </a:r>
+            <a:r>
+              <a:rPr lang="en-US" dirty="0" smtClean="0"/>
+              <a:t>”;</a:t>
+            </a:r>
+          </a:p>
+          <a:p>
+            <a:pPr lvl="2">
+              <a:spcBef>
+                <a:spcPts val="1200"/>
+              </a:spcBef>
+            </a:pPr>
+            <a:r>
+              <a:rPr lang="en-US" dirty="0" smtClean="0"/>
+              <a:t>This </a:t>
+            </a:r>
+            <a:r>
+              <a:rPr lang="en-US" dirty="0" smtClean="0"/>
+              <a:t>will put </a:t>
+            </a:r>
+            <a:r>
+              <a:rPr lang="en-US" dirty="0" err="1" smtClean="0"/>
+              <a:t>str</a:t>
+            </a:r>
+            <a:r>
+              <a:rPr lang="en-US" dirty="0" smtClean="0"/>
+              <a:t> on the stack</a:t>
+            </a:r>
+            <a:r>
+              <a:rPr lang="en-US" dirty="0" smtClean="0"/>
+              <a:t>!</a:t>
+            </a:r>
+          </a:p>
+          <a:p>
+            <a:pPr>
+              <a:spcBef>
+                <a:spcPts val="1200"/>
+              </a:spcBef>
+            </a:pPr>
+            <a:r>
+              <a:rPr lang="en-US" dirty="0" smtClean="0"/>
+              <a:t>Size </a:t>
+            </a:r>
+            <a:r>
+              <a:rPr lang="en-US" dirty="0" smtClean="0"/>
+              <a:t>does not change, but sometimes data can</a:t>
+            </a:r>
+          </a:p>
+          <a:p>
+            <a:pPr lvl="1">
+              <a:spcBef>
+                <a:spcPts val="1200"/>
+              </a:spcBef>
+            </a:pPr>
+            <a:r>
+              <a:rPr lang="en-US" dirty="0" smtClean="0"/>
+              <a:t>Notably </a:t>
+            </a:r>
+            <a:r>
+              <a:rPr lang="en-US" dirty="0" smtClean="0"/>
+              <a:t>string literals cannot</a:t>
+            </a:r>
+            <a:endParaRPr lang="ru-RU" dirty="0"/>
+          </a:p>
+        </p:txBody>
+      </p:sp>
+      <p:sp>
+        <p:nvSpPr>
+          <p:cNvPr id="3" name="Номер слайда 2"/>
+          <p:cNvSpPr>
+            <a:spLocks noGrp="1"/>
+          </p:cNvSpPr>
+          <p:nvPr>
+            <p:ph type="sldNum" sz="quarter" idx="12"/>
+          </p:nvPr>
+        </p:nvSpPr>
+        <p:spPr/>
+        <p:txBody>
+          <a:bodyPr/>
+          <a:lstStyle/>
+          <a:p>
+            <a:pPr algn="ctr"/>
+            <a:fld id="{1397BFD8-F312-4EF2-A268-44FB4BDDBBB0}" type="slidenum">
+              <a:rPr lang="ru-RU" smtClean="0"/>
+              <a:pPr algn="ctr"/>
+              <a:t>10</a:t>
+            </a:fld>
+            <a:endParaRPr lang="ru-RU" dirty="0"/>
+          </a:p>
+        </p:txBody>
+      </p:sp>
+      <p:sp>
+        <p:nvSpPr>
+          <p:cNvPr id="4" name="Заголовок 3"/>
+          <p:cNvSpPr>
+            <a:spLocks noGrp="1"/>
+          </p:cNvSpPr>
+          <p:nvPr>
+            <p:ph type="title"/>
+          </p:nvPr>
+        </p:nvSpPr>
+        <p:spPr/>
+        <p:txBody>
+          <a:bodyPr/>
+          <a:lstStyle/>
+          <a:p>
+            <a:r>
+              <a:rPr lang="en-US" dirty="0" smtClean="0"/>
+              <a:t>Static Data</a:t>
+            </a:r>
+            <a:endParaRPr lang="ru-RU" dirty="0"/>
+          </a:p>
+        </p:txBody>
+      </p:sp>
+    </p:spTree>
+  </p:cSld>
+  <p:clrMapOvr>
+    <a:masterClrMapping/>
+  </p:clrMapOvr>
+</p:sld>
+</file>
+
+<file path=ppt/slides/slide11.xml><?xml version="1.0" encoding="utf-8"?>
+<p:sld xmlns:a="http://schemas.openxmlformats.org/drawingml/2006/main" xmlns:r="http://schemas.openxmlformats.org/officeDocument/2006/relationships" xmlns:p="http://schemas.openxmlformats.org/presentationml/2006/main">
+  <p:cSld>
+    <p:spTree>
+      <p:nvGrpSpPr>
+        <p:cNvPr id="1" name=""/>
+        <p:cNvGrpSpPr/>
+        <p:nvPr/>
+      </p:nvGrpSpPr>
+      <p:grpSpPr>
+        <a:xfrm>
+          <a:off x="0" y="0"/>
+          <a:ext cx="0" cy="0"/>
+          <a:chOff x="0" y="0"/>
+          <a:chExt cx="0" cy="0"/>
+        </a:xfrm>
+      </p:grpSpPr>
+      <p:sp>
+        <p:nvSpPr>
+          <p:cNvPr id="2" name="Содержимое 1"/>
+          <p:cNvSpPr>
+            <a:spLocks noGrp="1"/>
+          </p:cNvSpPr>
+          <p:nvPr>
+            <p:ph idx="1"/>
+          </p:nvPr>
+        </p:nvSpPr>
+        <p:spPr/>
+        <p:txBody>
+          <a:bodyPr/>
+          <a:lstStyle/>
+          <a:p>
+            <a:pPr>
+              <a:spcBef>
+                <a:spcPts val="1800"/>
+              </a:spcBef>
+            </a:pPr>
+            <a:r>
+              <a:rPr lang="en-US" dirty="0" smtClean="0"/>
+              <a:t>Copy </a:t>
+            </a:r>
+            <a:r>
+              <a:rPr lang="en-US" dirty="0" smtClean="0"/>
+              <a:t>of your code goes </a:t>
+            </a:r>
+            <a:r>
+              <a:rPr lang="en-US" dirty="0" smtClean="0"/>
+              <a:t>there</a:t>
+            </a:r>
+          </a:p>
+          <a:p>
+            <a:pPr lvl="1">
+              <a:spcBef>
+                <a:spcPts val="1800"/>
+              </a:spcBef>
+            </a:pPr>
+            <a:r>
+              <a:rPr lang="en-US" dirty="0" smtClean="0"/>
+              <a:t>C </a:t>
+            </a:r>
+            <a:r>
+              <a:rPr lang="en-US" dirty="0" smtClean="0"/>
+              <a:t>code becomes data too</a:t>
+            </a:r>
+            <a:r>
+              <a:rPr lang="en-US" dirty="0" smtClean="0"/>
+              <a:t>!</a:t>
+            </a:r>
+          </a:p>
+          <a:p>
+            <a:pPr>
+              <a:spcBef>
+                <a:spcPts val="1800"/>
+              </a:spcBef>
+            </a:pPr>
+            <a:r>
+              <a:rPr lang="en-US" dirty="0" smtClean="0"/>
+              <a:t>Does </a:t>
+            </a:r>
+            <a:r>
+              <a:rPr lang="en-US" dirty="0" smtClean="0"/>
+              <a:t>(should) not </a:t>
+            </a:r>
+            <a:r>
+              <a:rPr lang="en-US" dirty="0" smtClean="0"/>
+              <a:t>change</a:t>
+            </a:r>
+          </a:p>
+          <a:p>
+            <a:pPr lvl="1">
+              <a:spcBef>
+                <a:spcPts val="1800"/>
+              </a:spcBef>
+            </a:pPr>
+            <a:r>
+              <a:rPr lang="en-US" dirty="0" smtClean="0"/>
+              <a:t>Typically read-only</a:t>
+            </a:r>
+            <a:endParaRPr lang="en-US" dirty="0" smtClean="0"/>
+          </a:p>
+          <a:p>
+            <a:endParaRPr lang="ru-RU" dirty="0"/>
+          </a:p>
+        </p:txBody>
+      </p:sp>
+      <p:sp>
+        <p:nvSpPr>
+          <p:cNvPr id="3" name="Номер слайда 2"/>
+          <p:cNvSpPr>
+            <a:spLocks noGrp="1"/>
+          </p:cNvSpPr>
+          <p:nvPr>
+            <p:ph type="sldNum" sz="quarter" idx="12"/>
+          </p:nvPr>
+        </p:nvSpPr>
+        <p:spPr/>
+        <p:txBody>
+          <a:bodyPr/>
+          <a:lstStyle/>
+          <a:p>
+            <a:pPr algn="ctr"/>
+            <a:fld id="{1397BFD8-F312-4EF2-A268-44FB4BDDBBB0}" type="slidenum">
+              <a:rPr lang="ru-RU" smtClean="0"/>
+              <a:pPr algn="ctr"/>
+              <a:t>11</a:t>
+            </a:fld>
+            <a:endParaRPr lang="ru-RU" dirty="0"/>
+          </a:p>
+        </p:txBody>
+      </p:sp>
+      <p:sp>
+        <p:nvSpPr>
+          <p:cNvPr id="4" name="Заголовок 3"/>
+          <p:cNvSpPr>
+            <a:spLocks noGrp="1"/>
+          </p:cNvSpPr>
+          <p:nvPr>
+            <p:ph type="title"/>
+          </p:nvPr>
+        </p:nvSpPr>
+        <p:spPr/>
+        <p:txBody>
+          <a:bodyPr/>
+          <a:lstStyle/>
+          <a:p>
+            <a:r>
+              <a:rPr lang="en-US" dirty="0" smtClean="0"/>
+              <a:t>Code</a:t>
+            </a:r>
+            <a:endParaRPr lang="ru-RU" dirty="0"/>
+          </a:p>
+        </p:txBody>
+      </p:sp>
+    </p:spTree>
+  </p:cSld>
+  <p:clrMapOvr>
+    <a:masterClrMapping/>
+  </p:clrMapOvr>
+</p:sld>
+</file>
+
+<file path=ppt/slides/slide12.xml><?xml version="1.0" encoding="utf-8"?>
+<p:sld xmlns:a="http://schemas.openxmlformats.org/drawingml/2006/main" xmlns:r="http://schemas.openxmlformats.org/officeDocument/2006/relationships" xmlns:p="http://schemas.openxmlformats.org/presentationml/2006/main">
+  <p:cSld>
+    <p:spTree>
+      <p:nvGrpSpPr>
+        <p:cNvPr id="1" name=""/>
+        <p:cNvGrpSpPr/>
+        <p:nvPr/>
+      </p:nvGrpSpPr>
+      <p:grpSpPr>
+        <a:xfrm>
+          <a:off x="0" y="0"/>
+          <a:ext cx="0" cy="0"/>
+          <a:chOff x="0" y="0"/>
+          <a:chExt cx="0" cy="0"/>
+        </a:xfrm>
+      </p:grpSpPr>
+      <p:sp>
+        <p:nvSpPr>
+          <p:cNvPr id="2" name="Содержимое 1"/>
+          <p:cNvSpPr>
+            <a:spLocks noGrp="1"/>
+          </p:cNvSpPr>
+          <p:nvPr>
+            <p:ph idx="1"/>
+          </p:nvPr>
+        </p:nvSpPr>
+        <p:spPr>
+          <a:xfrm>
+            <a:off x="838200" y="1178053"/>
+            <a:ext cx="10515600" cy="5448378"/>
+          </a:xfrm>
+        </p:spPr>
+        <p:txBody>
+          <a:bodyPr>
+            <a:normAutofit/>
+          </a:bodyPr>
+          <a:lstStyle/>
+          <a:p>
+            <a:r>
+              <a:rPr lang="en-US" dirty="0" smtClean="0"/>
+              <a:t>Want persisting memory (like static) even when we </a:t>
+            </a:r>
+            <a:r>
+              <a:rPr lang="en-US" dirty="0" smtClean="0"/>
+              <a:t>do not </a:t>
+            </a:r>
+            <a:r>
+              <a:rPr lang="en-US" dirty="0" smtClean="0"/>
+              <a:t>know size at compile time</a:t>
+            </a:r>
+            <a:r>
+              <a:rPr lang="en-US" dirty="0" smtClean="0"/>
+              <a:t>?</a:t>
+            </a:r>
+          </a:p>
+          <a:p>
+            <a:pPr lvl="1"/>
+            <a:r>
+              <a:rPr lang="en-US" dirty="0" smtClean="0"/>
+              <a:t>e.g</a:t>
+            </a:r>
+            <a:r>
+              <a:rPr lang="en-US" dirty="0" smtClean="0"/>
+              <a:t>.  input files, user </a:t>
+            </a:r>
+            <a:r>
+              <a:rPr lang="en-US" dirty="0" smtClean="0"/>
+              <a:t>interaction</a:t>
+            </a:r>
+          </a:p>
+          <a:p>
+            <a:pPr lvl="1"/>
+            <a:r>
+              <a:rPr lang="en-US" dirty="0" smtClean="0"/>
+              <a:t>Stack will not </a:t>
+            </a:r>
+            <a:r>
+              <a:rPr lang="en-US" dirty="0" smtClean="0"/>
+              <a:t>work because stack frames </a:t>
+            </a:r>
+            <a:r>
+              <a:rPr lang="en-US" dirty="0" smtClean="0"/>
+              <a:t>are not persistent</a:t>
+            </a:r>
+          </a:p>
+          <a:p>
+            <a:r>
+              <a:rPr lang="en-US" dirty="0" smtClean="0"/>
+              <a:t>Dynamically </a:t>
+            </a:r>
+            <a:r>
+              <a:rPr lang="en-US" dirty="0" smtClean="0"/>
+              <a:t>allocated memory goes on the </a:t>
+            </a:r>
+            <a:r>
+              <a:rPr lang="en-US" dirty="0" smtClean="0"/>
+              <a:t>Heap</a:t>
+            </a:r>
+          </a:p>
+          <a:p>
+            <a:pPr lvl="1"/>
+            <a:r>
+              <a:rPr lang="en-US" dirty="0" smtClean="0"/>
+              <a:t>more </a:t>
+            </a:r>
+            <a:r>
+              <a:rPr lang="en-US" dirty="0" smtClean="0"/>
+              <a:t>permanent than </a:t>
+            </a:r>
+            <a:r>
+              <a:rPr lang="en-US" dirty="0" smtClean="0"/>
+              <a:t>Stack</a:t>
+            </a:r>
+          </a:p>
+          <a:p>
+            <a:r>
+              <a:rPr lang="en-US" dirty="0" smtClean="0"/>
+              <a:t>Need </a:t>
+            </a:r>
+            <a:r>
+              <a:rPr lang="en-US" dirty="0" smtClean="0"/>
+              <a:t>as much space as possible without interfering with </a:t>
+            </a:r>
+            <a:r>
+              <a:rPr lang="en-US" dirty="0" smtClean="0"/>
+              <a:t>Stack</a:t>
+            </a:r>
+          </a:p>
+          <a:p>
+            <a:pPr lvl="1"/>
+            <a:r>
+              <a:rPr lang="en-US" dirty="0" smtClean="0"/>
+              <a:t>Start </a:t>
+            </a:r>
+            <a:r>
+              <a:rPr lang="en-US" dirty="0" smtClean="0"/>
+              <a:t>at opposite end and grow towards Stack</a:t>
+            </a:r>
+            <a:endParaRPr lang="ru-RU" dirty="0"/>
+          </a:p>
+        </p:txBody>
+      </p:sp>
+      <p:sp>
+        <p:nvSpPr>
+          <p:cNvPr id="3" name="Номер слайда 2"/>
+          <p:cNvSpPr>
+            <a:spLocks noGrp="1"/>
+          </p:cNvSpPr>
+          <p:nvPr>
+            <p:ph type="sldNum" sz="quarter" idx="12"/>
+          </p:nvPr>
+        </p:nvSpPr>
+        <p:spPr/>
+        <p:txBody>
+          <a:bodyPr/>
+          <a:lstStyle/>
+          <a:p>
+            <a:pPr algn="ctr"/>
+            <a:fld id="{1397BFD8-F312-4EF2-A268-44FB4BDDBBB0}" type="slidenum">
+              <a:rPr lang="ru-RU" smtClean="0"/>
+              <a:pPr algn="ctr"/>
+              <a:t>12</a:t>
+            </a:fld>
+            <a:endParaRPr lang="ru-RU" dirty="0"/>
+          </a:p>
+        </p:txBody>
+      </p:sp>
+      <p:sp>
+        <p:nvSpPr>
+          <p:cNvPr id="4" name="Заголовок 3"/>
+          <p:cNvSpPr>
+            <a:spLocks noGrp="1"/>
+          </p:cNvSpPr>
+          <p:nvPr>
+            <p:ph type="title"/>
+          </p:nvPr>
+        </p:nvSpPr>
+        <p:spPr/>
+        <p:txBody>
+          <a:bodyPr/>
+          <a:lstStyle/>
+          <a:p>
+            <a:r>
+              <a:rPr lang="en-US" dirty="0" smtClean="0"/>
+              <a:t>Dynamic Memory Allocation</a:t>
+            </a:r>
+            <a:endParaRPr lang="ru-RU" dirty="0"/>
+          </a:p>
+        </p:txBody>
+      </p:sp>
+    </p:spTree>
+  </p:cSld>
+  <p:clrMapOvr>
+    <a:masterClrMapping/>
+  </p:clrMapOvr>
+</p:sld>
+</file>
+
+<file path=ppt/slides/slide13.xml><?xml version="1.0" encoding="utf-8"?>
+<p:sld xmlns:a="http://schemas.openxmlformats.org/drawingml/2006/main" xmlns:r="http://schemas.openxmlformats.org/officeDocument/2006/relationships" xmlns:p="http://schemas.openxmlformats.org/presentationml/2006/main">
+  <p:cSld>
+    <p:spTree>
+      <p:nvGrpSpPr>
+        <p:cNvPr id="1" name=""/>
+        <p:cNvGrpSpPr/>
+        <p:nvPr/>
+      </p:nvGrpSpPr>
+      <p:grpSpPr>
+        <a:xfrm>
+          <a:off x="0" y="0"/>
+          <a:ext cx="0" cy="0"/>
+          <a:chOff x="0" y="0"/>
+          <a:chExt cx="0" cy="0"/>
+        </a:xfrm>
+      </p:grpSpPr>
+      <p:sp>
+        <p:nvSpPr>
+          <p:cNvPr id="2" name="Содержимое 1"/>
+          <p:cNvSpPr>
+            <a:spLocks noGrp="1"/>
+          </p:cNvSpPr>
+          <p:nvPr>
+            <p:ph idx="1"/>
+          </p:nvPr>
+        </p:nvSpPr>
+        <p:spPr>
+          <a:xfrm>
+            <a:off x="838200" y="1059302"/>
+            <a:ext cx="10799618" cy="5679947"/>
+          </a:xfrm>
+        </p:spPr>
+        <p:txBody>
+          <a:bodyPr>
+            <a:normAutofit fontScale="92500" lnSpcReduction="10000"/>
+          </a:bodyPr>
+          <a:lstStyle/>
+          <a:p>
+            <a:r>
+              <a:rPr lang="en-US" dirty="0" smtClean="0"/>
+              <a:t>If </a:t>
+            </a:r>
+            <a:r>
+              <a:rPr lang="en-US" dirty="0" smtClean="0"/>
+              <a:t>integer sizes are machine dependent, how do we tell</a:t>
+            </a:r>
+            <a:r>
+              <a:rPr lang="en-US" dirty="0" smtClean="0"/>
+              <a:t>?</a:t>
+            </a:r>
+          </a:p>
+          <a:p>
+            <a:r>
+              <a:rPr lang="en-US" dirty="0" smtClean="0"/>
+              <a:t>Use </a:t>
+            </a:r>
+            <a:r>
+              <a:rPr lang="en-US" dirty="0" err="1" smtClean="0"/>
+              <a:t>sizeof</a:t>
+            </a:r>
+            <a:r>
+              <a:rPr lang="en-US" dirty="0" smtClean="0"/>
+              <a:t>() operator</a:t>
+            </a:r>
+          </a:p>
+          <a:p>
+            <a:pPr lvl="1"/>
+            <a:r>
+              <a:rPr lang="en-US" dirty="0" smtClean="0"/>
+              <a:t>Returns </a:t>
+            </a:r>
+            <a:r>
+              <a:rPr lang="en-US" dirty="0" smtClean="0"/>
+              <a:t>size in number of char-sized </a:t>
+            </a:r>
+            <a:r>
+              <a:rPr lang="en-US" dirty="0" smtClean="0"/>
+              <a:t>units of </a:t>
+            </a:r>
+            <a:r>
+              <a:rPr lang="en-US" dirty="0" smtClean="0"/>
+              <a:t>a variable or data type </a:t>
+            </a:r>
+            <a:r>
+              <a:rPr lang="en-US" dirty="0" smtClean="0"/>
+              <a:t>name</a:t>
+            </a:r>
+          </a:p>
+          <a:p>
+            <a:pPr lvl="2"/>
+            <a:r>
+              <a:rPr lang="en-US" dirty="0" smtClean="0"/>
+              <a:t>Examples</a:t>
+            </a:r>
+            <a:r>
+              <a:rPr lang="en-US" dirty="0" smtClean="0"/>
+              <a:t>: </a:t>
+            </a:r>
+            <a:r>
+              <a:rPr lang="en-US" dirty="0" smtClean="0"/>
+              <a:t> </a:t>
+            </a:r>
+            <a:r>
+              <a:rPr lang="en-US" b="1" dirty="0" smtClean="0">
+                <a:solidFill>
+                  <a:srgbClr val="1E3272"/>
+                </a:solidFill>
+              </a:rPr>
+              <a:t>int </a:t>
+            </a:r>
+            <a:r>
+              <a:rPr lang="en-US" b="1" dirty="0" smtClean="0">
+                <a:solidFill>
+                  <a:srgbClr val="1E3272"/>
+                </a:solidFill>
+              </a:rPr>
+              <a:t>x; </a:t>
+            </a:r>
+            <a:r>
+              <a:rPr lang="en-US" b="1" dirty="0" err="1" smtClean="0">
+                <a:solidFill>
+                  <a:srgbClr val="1E3272"/>
+                </a:solidFill>
+              </a:rPr>
+              <a:t>sizeof</a:t>
+            </a:r>
+            <a:r>
+              <a:rPr lang="en-US" b="1" dirty="0" smtClean="0">
+                <a:solidFill>
+                  <a:srgbClr val="1E3272"/>
+                </a:solidFill>
+              </a:rPr>
+              <a:t>(x); </a:t>
+            </a:r>
+            <a:r>
+              <a:rPr lang="en-US" b="1" dirty="0" err="1" smtClean="0">
+                <a:solidFill>
+                  <a:srgbClr val="1E3272"/>
+                </a:solidFill>
+              </a:rPr>
+              <a:t>sizeof</a:t>
+            </a:r>
+            <a:r>
+              <a:rPr lang="en-US" b="1" dirty="0" smtClean="0">
+                <a:solidFill>
+                  <a:srgbClr val="1E3272"/>
+                </a:solidFill>
+              </a:rPr>
+              <a:t>(int</a:t>
+            </a:r>
+            <a:r>
+              <a:rPr lang="en-US" b="1" dirty="0" smtClean="0">
+                <a:solidFill>
+                  <a:srgbClr val="1E3272"/>
+                </a:solidFill>
+              </a:rPr>
+              <a:t>);</a:t>
+            </a:r>
+          </a:p>
+          <a:p>
+            <a:pPr lvl="1"/>
+            <a:r>
+              <a:rPr lang="en-US" dirty="0" err="1" smtClean="0"/>
+              <a:t>sizeof</a:t>
+            </a:r>
+            <a:r>
+              <a:rPr lang="en-US" dirty="0" smtClean="0"/>
+              <a:t>(char) is always 1</a:t>
+            </a:r>
+          </a:p>
+          <a:p>
+            <a:r>
+              <a:rPr lang="en-US" dirty="0" smtClean="0"/>
+              <a:t>Can </a:t>
+            </a:r>
+            <a:r>
+              <a:rPr lang="en-US" dirty="0" smtClean="0"/>
+              <a:t>we use </a:t>
+            </a:r>
+            <a:r>
+              <a:rPr lang="en-US" dirty="0" err="1" smtClean="0"/>
+              <a:t>sizeof</a:t>
+            </a:r>
+            <a:r>
+              <a:rPr lang="en-US" dirty="0" smtClean="0"/>
+              <a:t> to </a:t>
+            </a:r>
+            <a:r>
+              <a:rPr lang="en-US" dirty="0" smtClean="0"/>
+              <a:t>determine a length of an array</a:t>
+            </a:r>
+            <a:r>
+              <a:rPr lang="en-US" dirty="0" smtClean="0"/>
+              <a:t>?</a:t>
+            </a:r>
+          </a:p>
+          <a:p>
+            <a:pPr lvl="1"/>
+            <a:r>
+              <a:rPr lang="en-US" dirty="0" smtClean="0"/>
+              <a:t>Generally </a:t>
+            </a:r>
+            <a:r>
+              <a:rPr lang="en-US" b="1" dirty="0" smtClean="0"/>
+              <a:t>no</a:t>
+            </a:r>
+            <a:r>
+              <a:rPr lang="en-US" dirty="0" smtClean="0"/>
+              <a:t> but there is an </a:t>
+            </a:r>
+            <a:r>
+              <a:rPr lang="en-US" dirty="0" smtClean="0"/>
+              <a:t>exception:</a:t>
+            </a:r>
+          </a:p>
+          <a:p>
+            <a:pPr lvl="2"/>
+            <a:r>
+              <a:rPr lang="en-US" b="1" dirty="0" smtClean="0"/>
+              <a:t>int </a:t>
+            </a:r>
+            <a:r>
+              <a:rPr lang="en-US" b="1" dirty="0" smtClean="0"/>
+              <a:t>a[61</a:t>
+            </a:r>
+            <a:r>
+              <a:rPr lang="en-US" b="1" dirty="0" smtClean="0"/>
+              <a:t>];</a:t>
+            </a:r>
+          </a:p>
+          <a:p>
+            <a:pPr lvl="2"/>
+            <a:r>
+              <a:rPr lang="en-US" b="1" dirty="0" err="1" smtClean="0"/>
+              <a:t>sizeof</a:t>
+            </a:r>
+            <a:r>
+              <a:rPr lang="en-US" b="1" dirty="0" smtClean="0"/>
+              <a:t>(a) </a:t>
+            </a:r>
+            <a:r>
+              <a:rPr lang="en-US" dirty="0" smtClean="0"/>
+              <a:t>gets the total number </a:t>
+            </a:r>
+            <a:r>
+              <a:rPr lang="en-US" dirty="0" smtClean="0"/>
+              <a:t>of </a:t>
+            </a:r>
+            <a:r>
+              <a:rPr lang="en-US" dirty="0" smtClean="0"/>
+              <a:t>bytes stored in the array </a:t>
+            </a:r>
+            <a:r>
+              <a:rPr lang="en-US" dirty="0" smtClean="0"/>
+              <a:t>a</a:t>
+            </a:r>
+            <a:r>
+              <a:rPr lang="en-US" dirty="0" smtClean="0"/>
+              <a:t>.</a:t>
+            </a:r>
+          </a:p>
+          <a:p>
+            <a:pPr lvl="2"/>
+            <a:r>
+              <a:rPr lang="en-US" dirty="0" smtClean="0"/>
+              <a:t>To </a:t>
+            </a:r>
+            <a:r>
+              <a:rPr lang="en-US" dirty="0" smtClean="0"/>
+              <a:t>get the number of elements, </a:t>
+            </a:r>
+            <a:r>
+              <a:rPr lang="en-US" dirty="0" smtClean="0"/>
+              <a:t>use: </a:t>
+            </a:r>
+            <a:r>
+              <a:rPr lang="en-US" b="1" dirty="0" err="1" smtClean="0"/>
+              <a:t>sizeof</a:t>
+            </a:r>
+            <a:r>
+              <a:rPr lang="en-US" b="1" dirty="0" smtClean="0"/>
+              <a:t>(a</a:t>
+            </a:r>
+            <a:r>
+              <a:rPr lang="en-US" b="1" dirty="0" smtClean="0"/>
+              <a:t>) / </a:t>
+            </a:r>
+            <a:r>
+              <a:rPr lang="en-US" b="1" dirty="0" err="1" smtClean="0"/>
+              <a:t>sizeof</a:t>
+            </a:r>
+            <a:r>
+              <a:rPr lang="en-US" b="1" dirty="0" smtClean="0"/>
+              <a:t>(int</a:t>
+            </a:r>
+            <a:r>
+              <a:rPr lang="en-US" b="1" dirty="0" smtClean="0"/>
+              <a:t>)</a:t>
+            </a:r>
+          </a:p>
+          <a:p>
+            <a:pPr lvl="2"/>
+            <a:r>
+              <a:rPr lang="en-US" dirty="0" smtClean="0"/>
+              <a:t>This </a:t>
+            </a:r>
+            <a:r>
+              <a:rPr lang="en-US" b="1" dirty="0" smtClean="0"/>
+              <a:t>ONLY</a:t>
+            </a:r>
+            <a:r>
+              <a:rPr lang="en-US" dirty="0" smtClean="0"/>
+              <a:t> works </a:t>
+            </a:r>
+            <a:r>
+              <a:rPr lang="en-US" dirty="0" smtClean="0"/>
+              <a:t>for arrays defined on the stack </a:t>
+            </a:r>
+            <a:r>
+              <a:rPr lang="en-US" b="1" dirty="0" smtClean="0"/>
+              <a:t>IN THE SAME </a:t>
+            </a:r>
+            <a:r>
+              <a:rPr lang="en-US" b="1" dirty="0" smtClean="0"/>
+              <a:t>FUNCTION</a:t>
+            </a:r>
+          </a:p>
+          <a:p>
+            <a:pPr lvl="1"/>
+            <a:r>
+              <a:rPr lang="en-US" dirty="0" smtClean="0"/>
+              <a:t>It is not recommended to do this. A preferred way is to keep </a:t>
+            </a:r>
+            <a:r>
+              <a:rPr lang="en-US" dirty="0" smtClean="0"/>
+              <a:t>track of an array size </a:t>
+            </a:r>
+            <a:r>
+              <a:rPr lang="en-US" dirty="0" smtClean="0"/>
+              <a:t>elsewhere.</a:t>
+            </a:r>
+            <a:endParaRPr lang="en-US" dirty="0" smtClean="0"/>
+          </a:p>
+        </p:txBody>
+      </p:sp>
+      <p:sp>
+        <p:nvSpPr>
+          <p:cNvPr id="3" name="Номер слайда 2"/>
+          <p:cNvSpPr>
+            <a:spLocks noGrp="1"/>
+          </p:cNvSpPr>
+          <p:nvPr>
+            <p:ph type="sldNum" sz="quarter" idx="12"/>
+          </p:nvPr>
+        </p:nvSpPr>
+        <p:spPr/>
+        <p:txBody>
+          <a:bodyPr/>
+          <a:lstStyle/>
+          <a:p>
+            <a:pPr algn="ctr"/>
+            <a:fld id="{1397BFD8-F312-4EF2-A268-44FB4BDDBBB0}" type="slidenum">
+              <a:rPr lang="ru-RU" smtClean="0"/>
+              <a:pPr algn="ctr"/>
+              <a:t>13</a:t>
+            </a:fld>
+            <a:endParaRPr lang="ru-RU" dirty="0"/>
+          </a:p>
+        </p:txBody>
+      </p:sp>
+      <p:sp>
+        <p:nvSpPr>
+          <p:cNvPr id="4" name="Заголовок 3"/>
+          <p:cNvSpPr>
+            <a:spLocks noGrp="1"/>
+          </p:cNvSpPr>
+          <p:nvPr>
+            <p:ph type="title"/>
+          </p:nvPr>
+        </p:nvSpPr>
+        <p:spPr/>
+        <p:txBody>
+          <a:bodyPr/>
+          <a:lstStyle/>
+          <a:p>
+            <a:r>
+              <a:rPr lang="en-US" dirty="0" smtClean="0"/>
+              <a:t>The </a:t>
+            </a:r>
+            <a:r>
+              <a:rPr lang="en-US" dirty="0" err="1" smtClean="0"/>
+              <a:t>sizeof</a:t>
+            </a:r>
+            <a:r>
+              <a:rPr lang="en-US" dirty="0" smtClean="0"/>
+              <a:t> Operator</a:t>
+            </a:r>
+            <a:endParaRPr lang="ru-RU" dirty="0"/>
+          </a:p>
+        </p:txBody>
+      </p:sp>
+    </p:spTree>
+  </p:cSld>
+  <p:clrMapOvr>
+    <a:masterClrMapping/>
+  </p:clrMapOvr>
+</p:sld>
+</file>
+
+<file path=ppt/slides/slide14.xml><?xml version="1.0" encoding="utf-8"?>
+<p:sld xmlns:a="http://schemas.openxmlformats.org/drawingml/2006/main" xmlns:r="http://schemas.openxmlformats.org/officeDocument/2006/relationships" xmlns:p="http://schemas.openxmlformats.org/presentationml/2006/main">
+  <p:cSld>
+    <p:spTree>
+      <p:nvGrpSpPr>
+        <p:cNvPr id="1" name=""/>
+        <p:cNvGrpSpPr/>
+        <p:nvPr/>
+      </p:nvGrpSpPr>
+      <p:grpSpPr>
+        <a:xfrm>
+          <a:off x="0" y="0"/>
+          <a:ext cx="0" cy="0"/>
+          <a:chOff x="0" y="0"/>
+          <a:chExt cx="0" cy="0"/>
+        </a:xfrm>
+      </p:grpSpPr>
+      <p:sp>
+        <p:nvSpPr>
+          <p:cNvPr id="2" name="Содержимое 1"/>
+          <p:cNvSpPr>
+            <a:spLocks noGrp="1"/>
+          </p:cNvSpPr>
+          <p:nvPr>
+            <p:ph idx="1"/>
+          </p:nvPr>
+        </p:nvSpPr>
+        <p:spPr/>
+        <p:txBody>
+          <a:bodyPr/>
+          <a:lstStyle/>
+          <a:p>
+            <a:r>
+              <a:rPr lang="en-US" sz="3200" dirty="0" smtClean="0"/>
+              <a:t>Functions </a:t>
+            </a:r>
+            <a:r>
+              <a:rPr lang="en-US" sz="3200" dirty="0" smtClean="0"/>
+              <a:t>for requesting memory</a:t>
+            </a:r>
+            <a:r>
+              <a:rPr lang="en-US" sz="3200" dirty="0" smtClean="0"/>
+              <a:t>: </a:t>
+            </a:r>
+            <a:r>
+              <a:rPr lang="en-US" sz="3200" dirty="0" err="1" smtClean="0"/>
+              <a:t>malloc</a:t>
+            </a:r>
+            <a:r>
+              <a:rPr lang="en-US" sz="3200" dirty="0" smtClean="0"/>
+              <a:t>(), </a:t>
+            </a:r>
+            <a:r>
+              <a:rPr lang="en-US" sz="3200" dirty="0" err="1" smtClean="0"/>
+              <a:t>calloc</a:t>
+            </a:r>
+            <a:r>
+              <a:rPr lang="en-US" sz="3200" dirty="0" smtClean="0"/>
+              <a:t>(), and </a:t>
+            </a:r>
+            <a:r>
+              <a:rPr lang="en-US" sz="3200" dirty="0" err="1" smtClean="0"/>
+              <a:t>realloc</a:t>
+            </a:r>
+            <a:r>
+              <a:rPr lang="en-US" sz="3200" dirty="0" smtClean="0"/>
+              <a:t>()</a:t>
+            </a:r>
+          </a:p>
+          <a:p>
+            <a:r>
+              <a:rPr lang="en-US" sz="3200" dirty="0" err="1" smtClean="0"/>
+              <a:t>malloc</a:t>
+            </a:r>
+            <a:r>
+              <a:rPr lang="en-US" sz="3200" dirty="0" smtClean="0"/>
+              <a:t>(n)</a:t>
+            </a:r>
+          </a:p>
+          <a:p>
+            <a:pPr lvl="1"/>
+            <a:r>
+              <a:rPr lang="en-US" sz="2800" dirty="0" smtClean="0"/>
+              <a:t>Allocates </a:t>
+            </a:r>
+            <a:r>
+              <a:rPr lang="en-US" sz="2800" dirty="0" smtClean="0"/>
+              <a:t>a continuous block of </a:t>
+            </a:r>
+            <a:r>
+              <a:rPr lang="en-US" sz="2800" dirty="0" smtClean="0"/>
+              <a:t>n bytes </a:t>
+            </a:r>
+            <a:r>
+              <a:rPr lang="en-US" sz="2800" dirty="0" smtClean="0"/>
+              <a:t>of uninitialized memory (contains garbage</a:t>
+            </a:r>
+            <a:r>
+              <a:rPr lang="en-US" sz="2800" dirty="0" smtClean="0"/>
+              <a:t>!)</a:t>
+            </a:r>
+          </a:p>
+          <a:p>
+            <a:pPr lvl="1"/>
+            <a:r>
+              <a:rPr lang="en-US" sz="2800" dirty="0" smtClean="0"/>
+              <a:t>Returns </a:t>
+            </a:r>
+            <a:r>
+              <a:rPr lang="en-US" sz="2800" dirty="0" smtClean="0"/>
+              <a:t>a pointer to the beginning of the allocated block; NULL indicates failed request (check for this</a:t>
+            </a:r>
+            <a:r>
+              <a:rPr lang="en-US" sz="2800" dirty="0" smtClean="0"/>
+              <a:t>!)</a:t>
+            </a:r>
+          </a:p>
+          <a:p>
+            <a:pPr lvl="1"/>
+            <a:r>
+              <a:rPr lang="en-US" sz="2800" dirty="0" smtClean="0"/>
+              <a:t>Different </a:t>
+            </a:r>
+            <a:r>
+              <a:rPr lang="en-US" sz="2800" dirty="0" smtClean="0"/>
+              <a:t>blocks not necessarily </a:t>
+            </a:r>
+            <a:r>
+              <a:rPr lang="en-US" sz="2800" dirty="0" smtClean="0"/>
+              <a:t>adjacent</a:t>
+            </a:r>
+            <a:endParaRPr lang="en-US" sz="2800" dirty="0" smtClean="0"/>
+          </a:p>
+          <a:p>
+            <a:endParaRPr lang="ru-RU" dirty="0"/>
+          </a:p>
+        </p:txBody>
+      </p:sp>
+      <p:sp>
+        <p:nvSpPr>
+          <p:cNvPr id="3" name="Номер слайда 2"/>
+          <p:cNvSpPr>
+            <a:spLocks noGrp="1"/>
+          </p:cNvSpPr>
+          <p:nvPr>
+            <p:ph type="sldNum" sz="quarter" idx="12"/>
+          </p:nvPr>
+        </p:nvSpPr>
+        <p:spPr/>
+        <p:txBody>
+          <a:bodyPr/>
+          <a:lstStyle/>
+          <a:p>
+            <a:pPr algn="ctr"/>
+            <a:fld id="{1397BFD8-F312-4EF2-A268-44FB4BDDBBB0}" type="slidenum">
+              <a:rPr lang="ru-RU" smtClean="0"/>
+              <a:pPr algn="ctr"/>
+              <a:t>14</a:t>
+            </a:fld>
+            <a:endParaRPr lang="ru-RU" dirty="0"/>
+          </a:p>
+        </p:txBody>
+      </p:sp>
+      <p:sp>
+        <p:nvSpPr>
+          <p:cNvPr id="4" name="Заголовок 3"/>
+          <p:cNvSpPr>
+            <a:spLocks noGrp="1"/>
+          </p:cNvSpPr>
+          <p:nvPr>
+            <p:ph type="title"/>
+          </p:nvPr>
+        </p:nvSpPr>
+        <p:spPr/>
+        <p:txBody>
+          <a:bodyPr/>
+          <a:lstStyle/>
+          <a:p>
+            <a:r>
+              <a:rPr lang="en-US" dirty="0" smtClean="0"/>
+              <a:t>Allocating Memory</a:t>
+            </a:r>
+            <a:endParaRPr lang="ru-RU" dirty="0"/>
+          </a:p>
+        </p:txBody>
+      </p:sp>
+    </p:spTree>
+  </p:cSld>
+  <p:clrMapOvr>
+    <a:masterClrMapping/>
+  </p:clrMapOvr>
+</p:sld>
+</file>
+
+<file path=ppt/slides/slide15.xml><?xml version="1.0" encoding="utf-8"?>
+<p:sld xmlns:a="http://schemas.openxmlformats.org/drawingml/2006/main" xmlns:r="http://schemas.openxmlformats.org/officeDocument/2006/relationships" xmlns:p="http://schemas.openxmlformats.org/presentationml/2006/main">
+  <p:cSld>
+    <p:spTree>
+      <p:nvGrpSpPr>
+        <p:cNvPr id="1" name=""/>
+        <p:cNvGrpSpPr/>
+        <p:nvPr/>
+      </p:nvGrpSpPr>
+      <p:grpSpPr>
+        <a:xfrm>
+          <a:off x="0" y="0"/>
+          <a:ext cx="0" cy="0"/>
+          <a:chOff x="0" y="0"/>
+          <a:chExt cx="0" cy="0"/>
+        </a:xfrm>
+      </p:grpSpPr>
+      <p:sp>
+        <p:nvSpPr>
           <p:cNvPr id="4" name="Прямоугольник 3"/>
           <p:cNvSpPr/>
           <p:nvPr/>
@@ -4732,7 +5965,7 @@
             <a:fld id="{1397BFD8-F312-4EF2-A268-44FB4BDDBBB0}" type="slidenum">
               <a:rPr lang="ru-RU" smtClean="0"/>
               <a:pPr algn="ctr"/>
-              <a:t>10</a:t>
+              <a:t>15</a:t>
             </a:fld>
             <a:endParaRPr lang="ru-RU" dirty="0"/>
           </a:p>
@@ -4741,7 +5974,7 @@
     </p:spTree>
     <p:extLst>
       <p:ext uri="{BB962C8B-B14F-4D97-AF65-F5344CB8AC3E}">
-        <p14:creationId xmlns:p14="http://schemas.microsoft.com/office/powerpoint/2010/main" xmlns="" val="4217875043"/>
+        <p14:creationId xmlns="" xmlns:p14="http://schemas.microsoft.com/office/powerpoint/2010/main" val="4217875043"/>
       </p:ext>
     </p:extLst>
   </p:cSld>
@@ -4909,23 +6142,7 @@
                   <a:srgbClr val="273272"/>
                 </a:solidFill>
               </a:rPr>
-              <a:t>1972-1973: Developed at </a:t>
-            </a:r>
-            <a:r>
-              <a:rPr lang="en-US" sz="3600" dirty="0" smtClean="0">
-                <a:solidFill>
-                  <a:srgbClr val="273272"/>
-                </a:solidFill>
-              </a:rPr>
-              <a:t>Bell Labs by Dennis Ritchie </a:t>
-            </a:r>
-            <a:r>
-              <a:rPr lang="en-US" sz="3600" dirty="0" smtClean="0">
-                <a:solidFill>
-                  <a:srgbClr val="273272"/>
-                </a:solidFill>
-              </a:rPr>
-              <a:t>to create utilities for Unix</a:t>
+              <a:t>1972-1973: Developed at Bell Labs by Dennis Ritchie to create utilities for Unix</a:t>
             </a:r>
           </a:p>
           <a:p>
@@ -4965,39 +6182,7 @@
                   <a:srgbClr val="273272"/>
                 </a:solidFill>
               </a:rPr>
-              <a:t>1978: </a:t>
-            </a:r>
-            <a:r>
-              <a:rPr lang="en-US" sz="3600" dirty="0" smtClean="0">
-                <a:solidFill>
-                  <a:srgbClr val="273272"/>
-                </a:solidFill>
-              </a:rPr>
-              <a:t>Brian Kernighan and Dennis Ritchie published </a:t>
-            </a:r>
-            <a:r>
-              <a:rPr lang="en-US" sz="3600" dirty="0" smtClean="0">
-                <a:solidFill>
-                  <a:srgbClr val="273272"/>
-                </a:solidFill>
-              </a:rPr>
-              <a:t>The </a:t>
-            </a:r>
-            <a:r>
-              <a:rPr lang="en-US" sz="3600" dirty="0" smtClean="0">
-                <a:solidFill>
-                  <a:srgbClr val="273272"/>
-                </a:solidFill>
-              </a:rPr>
-              <a:t>C Programming </a:t>
-            </a:r>
-            <a:r>
-              <a:rPr lang="en-US" sz="3600" dirty="0" smtClean="0">
-                <a:solidFill>
-                  <a:srgbClr val="273272"/>
-                </a:solidFill>
-              </a:rPr>
-              <a:t>Language</a:t>
+              <a:t>1978: Brian Kernighan and Dennis Ritchie published The C Programming Language</a:t>
             </a:r>
           </a:p>
           <a:p>
@@ -5017,55 +6202,7 @@
                   <a:srgbClr val="273272"/>
                 </a:solidFill>
               </a:rPr>
-              <a:t>1989/1990: ANSI C and ISO </a:t>
-            </a:r>
-            <a:r>
-              <a:rPr lang="en-US" sz="3600" dirty="0" smtClean="0">
-                <a:solidFill>
-                  <a:srgbClr val="273272"/>
-                </a:solidFill>
-              </a:rPr>
-              <a:t>C; </a:t>
-            </a:r>
-            <a:r>
-              <a:rPr lang="en-US" sz="3600" dirty="0" smtClean="0">
-                <a:solidFill>
-                  <a:srgbClr val="273272"/>
-                </a:solidFill>
-              </a:rPr>
-              <a:t>1999: </a:t>
-            </a:r>
-            <a:r>
-              <a:rPr lang="en-US" sz="3600" dirty="0" smtClean="0">
-                <a:solidFill>
-                  <a:srgbClr val="273272"/>
-                </a:solidFill>
-              </a:rPr>
-              <a:t>C99; </a:t>
-            </a:r>
-            <a:r>
-              <a:rPr lang="en-US" sz="3600" dirty="0" smtClean="0">
-                <a:solidFill>
-                  <a:srgbClr val="273272"/>
-                </a:solidFill>
-              </a:rPr>
-              <a:t>2011: </a:t>
-            </a:r>
-            <a:r>
-              <a:rPr lang="en-US" sz="3600" dirty="0" smtClean="0">
-                <a:solidFill>
-                  <a:srgbClr val="273272"/>
-                </a:solidFill>
-              </a:rPr>
-              <a:t>C11; </a:t>
-            </a:r>
-            <a:r>
-              <a:rPr lang="en-US" sz="3600" dirty="0" smtClean="0">
-                <a:solidFill>
-                  <a:srgbClr val="273272"/>
-                </a:solidFill>
-              </a:rPr>
-              <a:t>2017: C17</a:t>
+              <a:t>1989/1990: ANSI C and ISO C; 1999: C99; 2011: C11; 2017: C17</a:t>
             </a:r>
             <a:endParaRPr kumimoji="0" lang="ru-RU" sz="3600" b="0" i="0" u="none" strike="noStrike" kern="1200" cap="none" spc="0" normalizeH="0" baseline="0" noProof="0" dirty="0">
               <a:ln>
@@ -5134,11 +6271,7 @@
             <a:pPr algn="just"/>
             <a:r>
               <a:rPr lang="en-US" dirty="0" smtClean="0"/>
-              <a:t>C </a:t>
-            </a:r>
-            <a:r>
-              <a:rPr lang="en-US" dirty="0" smtClean="0"/>
-              <a:t>is not a “very high level” language, nor a “big” one, and is not specialized to any particular area of application. But its absence of restrictions and its generality make it more convenient and effective for many tasks than supposedly more powerful languages.</a:t>
+              <a:t>C is not a “very high level” language, nor a “big” one, and is not specialized to any particular area of application. But its absence of restrictions and its generality make it more convenient and effective for many tasks than supposedly more powerful languages.</a:t>
             </a:r>
           </a:p>
           <a:p>
@@ -5154,33 +6287,13 @@
             </a:r>
             <a:r>
               <a:rPr lang="en-US" sz="3200" b="1" dirty="0" smtClean="0"/>
-              <a:t>Kernighan </a:t>
-            </a:r>
-            <a:r>
-              <a:rPr lang="en-US" sz="3200" b="1" dirty="0" smtClean="0"/>
-              <a:t>and </a:t>
-            </a:r>
-            <a:r>
-              <a:rPr lang="en-US" sz="3200" b="1" dirty="0" smtClean="0"/>
-              <a:t>Ritchie</a:t>
-            </a:r>
-          </a:p>
-          <a:p>
-            <a:r>
-              <a:rPr lang="en-US" dirty="0" smtClean="0"/>
-              <a:t> With </a:t>
-            </a:r>
-            <a:r>
-              <a:rPr lang="en-US" dirty="0" smtClean="0"/>
-              <a:t>C we can write programs that allow us </a:t>
-            </a:r>
-            <a:r>
-              <a:rPr lang="en-US" dirty="0" smtClean="0"/>
-              <a:t>to exploit </a:t>
-            </a:r>
-            <a:r>
-              <a:rPr lang="en-US" dirty="0" smtClean="0"/>
-              <a:t>underlying features of the architecture</a:t>
+              <a:t>Kernighan and Ritchie</a:t>
+            </a:r>
+          </a:p>
+          <a:p>
+            <a:r>
+              <a:rPr lang="en-US" dirty="0" smtClean="0"/>
+              <a:t> With C we can write programs that allow us to exploit underlying features of the architecture</a:t>
             </a:r>
             <a:endParaRPr lang="ru-RU" dirty="0"/>
           </a:p>
@@ -5737,23 +6850,11 @@
             </a:r>
             <a:r>
               <a:rPr lang="en-US" b="1" dirty="0" smtClean="0"/>
-              <a:t>address </a:t>
-            </a:r>
-            <a:r>
-              <a:rPr lang="en-US" b="1" dirty="0" smtClean="0"/>
-              <a:t>space </a:t>
-            </a:r>
-            <a:r>
-              <a:rPr lang="en-US" dirty="0" smtClean="0"/>
-              <a:t>contains </a:t>
-            </a:r>
-            <a:r>
-              <a:rPr lang="en-US" dirty="0" smtClean="0"/>
-              <a:t>4 regions</a:t>
-            </a:r>
-            <a:r>
-              <a:rPr lang="en-US" dirty="0" smtClean="0"/>
-              <a:t>:</a:t>
+              <a:t>address space </a:t>
+            </a:r>
+            <a:r>
+              <a:rPr lang="en-US" dirty="0" smtClean="0"/>
+              <a:t>contains 4 regions:</a:t>
             </a:r>
           </a:p>
           <a:p>
@@ -5772,19 +6873,7 @@
             </a:r>
             <a:r>
               <a:rPr lang="en-US" dirty="0" smtClean="0"/>
-              <a:t>: </a:t>
-            </a:r>
-            <a:r>
-              <a:rPr lang="en-US" dirty="0" smtClean="0"/>
-              <a:t>local </a:t>
-            </a:r>
-            <a:r>
-              <a:rPr lang="en-US" dirty="0" smtClean="0"/>
-              <a:t>variables, grows </a:t>
-            </a:r>
-            <a:r>
-              <a:rPr lang="en-US" dirty="0" smtClean="0"/>
-              <a:t>downward</a:t>
+              <a:t>: local variables, grows downward</a:t>
             </a:r>
           </a:p>
           <a:p>
@@ -5803,19 +6892,7 @@
             </a:r>
             <a:r>
               <a:rPr lang="en-US" dirty="0" smtClean="0"/>
-              <a:t>: </a:t>
-            </a:r>
-            <a:r>
-              <a:rPr lang="en-US" dirty="0" smtClean="0"/>
-              <a:t>space </a:t>
-            </a:r>
-            <a:r>
-              <a:rPr lang="en-US" dirty="0" smtClean="0"/>
-              <a:t>requested </a:t>
-            </a:r>
-            <a:r>
-              <a:rPr lang="en-US" dirty="0" smtClean="0"/>
-              <a:t>via </a:t>
+              <a:t>: space requested via </a:t>
             </a:r>
             <a:r>
               <a:rPr lang="en-US" i="1" dirty="0" err="1" smtClean="0"/>
@@ -5823,15 +6900,7 @@
             </a:r>
             <a:r>
               <a:rPr lang="en-US" dirty="0" smtClean="0"/>
-              <a:t>() and </a:t>
-            </a:r>
-            <a:r>
-              <a:rPr lang="en-US" dirty="0" smtClean="0"/>
-              <a:t>used with pointers;  resizes dynamically, grows </a:t>
-            </a:r>
-            <a:r>
-              <a:rPr lang="en-US" dirty="0" smtClean="0"/>
-              <a:t>upward</a:t>
+              <a:t>() and used with pointers;  resizes dynamically, grows upward</a:t>
             </a:r>
           </a:p>
           <a:p>
@@ -5846,27 +6915,11 @@
             </a:r>
             <a:r>
               <a:rPr lang="en-US" b="1" dirty="0" smtClean="0"/>
-              <a:t>Static </a:t>
-            </a:r>
-            <a:r>
-              <a:rPr lang="en-US" b="1" dirty="0" smtClean="0"/>
-              <a:t>Data</a:t>
-            </a:r>
-            <a:r>
-              <a:rPr lang="en-US" dirty="0" smtClean="0"/>
-              <a:t>: </a:t>
-            </a:r>
-            <a:r>
-              <a:rPr lang="en-US" dirty="0" smtClean="0"/>
-              <a:t>global </a:t>
-            </a:r>
-            <a:r>
-              <a:rPr lang="en-US" dirty="0" smtClean="0"/>
-              <a:t>and static variables, does not grow or </a:t>
-            </a:r>
-            <a:r>
-              <a:rPr lang="en-US" dirty="0" smtClean="0"/>
-              <a:t>shrink</a:t>
+              <a:t>Static Data</a:t>
+            </a:r>
+            <a:r>
+              <a:rPr lang="en-US" dirty="0" smtClean="0"/>
+              <a:t>: global and static variables, does not grow or shrink</a:t>
             </a:r>
           </a:p>
           <a:p>
@@ -5885,21 +6938,8 @@
             </a:r>
             <a:r>
               <a:rPr lang="en-US" dirty="0" smtClean="0"/>
-              <a:t>: </a:t>
-            </a:r>
-            <a:r>
-              <a:rPr lang="en-US" dirty="0" smtClean="0"/>
-              <a:t>loaded </a:t>
-            </a:r>
-            <a:r>
-              <a:rPr lang="en-US" dirty="0" smtClean="0"/>
-              <a:t>when program starts, does not </a:t>
-            </a:r>
-            <a:r>
-              <a:rPr lang="en-US" dirty="0" smtClean="0"/>
-              <a:t>change</a:t>
-            </a:r>
-            <a:endParaRPr lang="en-US" dirty="0" smtClean="0"/>
+              <a:t>: loaded when program starts, does not change</a:t>
+            </a:r>
           </a:p>
         </p:txBody>
       </p:sp>
@@ -6347,15 +7387,7 @@
                   <a:srgbClr val="2E5E8E"/>
                 </a:solidFill>
               </a:rPr>
-              <a:t>0x 0000 </a:t>
-            </a:r>
-            <a:r>
-              <a:rPr lang="en-US" sz="2000" b="1" dirty="0" smtClean="0">
-                <a:solidFill>
-                  <a:srgbClr val="2E5E8E"/>
-                </a:solidFill>
-              </a:rPr>
-              <a:t>0000</a:t>
+              <a:t>0x 0000 0000</a:t>
             </a:r>
             <a:endParaRPr lang="ru-RU" sz="2000" b="1" dirty="0" smtClean="0">
               <a:solidFill>
@@ -6393,15 +7425,7 @@
                   <a:srgbClr val="2E5E8E"/>
                 </a:solidFill>
               </a:rPr>
-              <a:t>0x </a:t>
-            </a:r>
-            <a:r>
-              <a:rPr lang="en-US" sz="2000" b="1" dirty="0" smtClean="0">
-                <a:solidFill>
-                  <a:srgbClr val="2E5E8E"/>
-                </a:solidFill>
-              </a:rPr>
-              <a:t>FFFF </a:t>
+              <a:t>0x FFFF </a:t>
             </a:r>
             <a:r>
               <a:rPr lang="en-US" sz="2000" b="1" dirty="0" err="1" smtClean="0">
@@ -6446,23 +7470,7 @@
                   <a:srgbClr val="1E3272"/>
                 </a:solidFill>
               </a:rPr>
-              <a:t>OS prevents </a:t>
-            </a:r>
-            <a:r>
-              <a:rPr lang="en-US" sz="2000" b="1" dirty="0" smtClean="0">
-                <a:solidFill>
-                  <a:srgbClr val="1E3272"/>
-                </a:solidFill>
-              </a:rPr>
-              <a:t>accesses between </a:t>
-            </a:r>
-            <a:r>
-              <a:rPr lang="en-US" sz="2000" b="1" dirty="0" smtClean="0">
-                <a:solidFill>
-                  <a:srgbClr val="1E3272"/>
-                </a:solidFill>
-              </a:rPr>
-              <a:t>stack and heap (via virtual memory)</a:t>
+              <a:t>OS prevents accesses between stack and heap (via virtual memory)</a:t>
             </a:r>
             <a:endParaRPr lang="ru-RU" sz="2000" b="1" dirty="0">
               <a:solidFill>
@@ -6521,32 +7529,20 @@
           <a:p>
             <a:r>
               <a:rPr lang="en-US" dirty="0" smtClean="0"/>
-              <a:t>Declared outside a function</a:t>
-            </a:r>
-            <a:r>
-              <a:rPr lang="en-US" dirty="0" smtClean="0"/>
-              <a:t>:</a:t>
+              <a:t>Declared outside a function:</a:t>
             </a:r>
           </a:p>
           <a:p>
             <a:pPr lvl="1"/>
             <a:r>
               <a:rPr lang="en-US" b="1" dirty="0" smtClean="0"/>
-              <a:t>Static </a:t>
-            </a:r>
-            <a:r>
-              <a:rPr lang="en-US" b="1" dirty="0" smtClean="0"/>
-              <a:t>Data</a:t>
-            </a:r>
-          </a:p>
-          <a:p>
-            <a:r>
-              <a:rPr lang="en-US" dirty="0" smtClean="0"/>
-              <a:t>Declared </a:t>
-            </a:r>
-            <a:r>
-              <a:rPr lang="en-US" dirty="0" smtClean="0"/>
-              <a:t>inside a function:</a:t>
+              <a:t>Static Data</a:t>
+            </a:r>
+          </a:p>
+          <a:p>
+            <a:r>
+              <a:rPr lang="en-US" dirty="0" smtClean="0"/>
+              <a:t>Declared inside a function:</a:t>
             </a:r>
           </a:p>
           <a:p>
@@ -6560,48 +7556,20 @@
             <a:pPr lvl="2"/>
             <a:r>
               <a:rPr lang="en-US" dirty="0" smtClean="0"/>
-              <a:t>main() is </a:t>
-            </a:r>
-            <a:r>
-              <a:rPr lang="en-US" dirty="0" smtClean="0"/>
-              <a:t>a </a:t>
-            </a:r>
-            <a:r>
-              <a:rPr lang="en-US" dirty="0" smtClean="0"/>
-              <a:t>function</a:t>
+              <a:t>main() is a function</a:t>
             </a:r>
           </a:p>
           <a:p>
             <a:pPr lvl="2"/>
             <a:r>
               <a:rPr lang="en-US" dirty="0" smtClean="0"/>
-              <a:t>freed </a:t>
-            </a:r>
-            <a:r>
-              <a:rPr lang="en-US" dirty="0" smtClean="0"/>
-              <a:t>when </a:t>
-            </a:r>
-            <a:r>
-              <a:rPr lang="en-US" dirty="0" smtClean="0"/>
-              <a:t>the function </a:t>
-            </a:r>
-            <a:r>
-              <a:rPr lang="en-US" dirty="0" smtClean="0"/>
-              <a:t>returns</a:t>
-            </a:r>
-          </a:p>
-          <a:p>
-            <a:r>
-              <a:rPr lang="en-US" dirty="0" smtClean="0"/>
-              <a:t>Dynamically </a:t>
-            </a:r>
-            <a:r>
-              <a:rPr lang="en-US" dirty="0" smtClean="0"/>
-              <a:t>allocated</a:t>
-            </a:r>
-            <a:r>
-              <a:rPr lang="en-US" dirty="0" smtClean="0"/>
-              <a:t>:</a:t>
+              <a:t>freed when the function returns</a:t>
+            </a:r>
+          </a:p>
+          <a:p>
+            <a:r>
+              <a:rPr lang="en-US" dirty="0" smtClean="0"/>
+              <a:t>Dynamically allocated:</a:t>
             </a:r>
           </a:p>
           <a:p>
@@ -6615,11 +7583,7 @@
             <a:pPr lvl="2"/>
             <a:r>
               <a:rPr lang="en-US" dirty="0" smtClean="0"/>
-              <a:t>i.e</a:t>
-            </a:r>
-            <a:r>
-              <a:rPr lang="en-US" dirty="0" smtClean="0"/>
-              <a:t>. </a:t>
+              <a:t>i.e. </a:t>
             </a:r>
             <a:r>
               <a:rPr lang="en-US" dirty="0" err="1" smtClean="0"/>
@@ -6627,15 +7591,7 @@
             </a:r>
             <a:r>
               <a:rPr lang="en-US" dirty="0" smtClean="0"/>
-              <a:t> </a:t>
-            </a:r>
-            <a:r>
-              <a:rPr lang="en-US" dirty="0" smtClean="0"/>
-              <a:t>(will be covered </a:t>
-            </a:r>
-            <a:r>
-              <a:rPr lang="en-US" dirty="0" smtClean="0"/>
-              <a:t>shortly)</a:t>
+              <a:t> (will be covered shortly)</a:t>
             </a:r>
             <a:endParaRPr lang="ru-RU" dirty="0"/>
           </a:p>
@@ -6826,21 +7782,13 @@
             </a:r>
             <a:r>
               <a:rPr lang="en-US" sz="2800" dirty="0" smtClean="0"/>
-              <a:t> </a:t>
-            </a:r>
+              <a:t> =</a:t>
+            </a:r>
+          </a:p>
+          <a:p>
             <a:r>
               <a:rPr lang="en-US" sz="2800" dirty="0" smtClean="0"/>
-              <a:t>=</a:t>
-            </a:r>
-          </a:p>
-          <a:p>
-            <a:r>
-              <a:rPr lang="en-US" sz="2800" dirty="0" smtClean="0"/>
-              <a:t> </a:t>
-            </a:r>
-            <a:r>
-              <a:rPr lang="en-US" sz="2800" dirty="0" smtClean="0"/>
-              <a:t>           </a:t>
+              <a:t>            </a:t>
             </a:r>
             <a:r>
               <a:rPr lang="en-US" sz="2800" dirty="0" err="1" smtClean="0"/>
@@ -7044,13 +7992,8 @@
             </a:pPr>
             <a:r>
               <a:rPr lang="en-US" dirty="0" smtClean="0"/>
-              <a:t>Each stack frame is a contiguous block of memory holding the local variables of a single </a:t>
-            </a:r>
-            <a:r>
-              <a:rPr lang="en-US" dirty="0" smtClean="0"/>
-              <a:t>function</a:t>
-            </a:r>
-            <a:endParaRPr lang="en-US" dirty="0" smtClean="0"/>
+              <a:t>Each stack frame is a contiguous block of memory holding the local variables of a single function</a:t>
+            </a:r>
           </a:p>
           <a:p>
             <a:pPr>
@@ -7063,15 +8006,7 @@
             </a:pPr>
             <a:r>
               <a:rPr lang="en-US" dirty="0" smtClean="0"/>
-              <a:t>A </a:t>
-            </a:r>
-            <a:r>
-              <a:rPr lang="en-US" dirty="0" smtClean="0"/>
-              <a:t>stack frame includes</a:t>
-            </a:r>
-            <a:r>
-              <a:rPr lang="en-US" dirty="0" smtClean="0"/>
-              <a:t>:</a:t>
+              <a:t>A stack frame includes:</a:t>
             </a:r>
           </a:p>
           <a:p>
@@ -7085,15 +8020,7 @@
             </a:pPr>
             <a:r>
               <a:rPr lang="en-US" dirty="0" smtClean="0"/>
-              <a:t>Location </a:t>
-            </a:r>
-            <a:r>
-              <a:rPr lang="en-US" dirty="0" smtClean="0"/>
-              <a:t>of caller </a:t>
-            </a:r>
-            <a:r>
-              <a:rPr lang="en-US" dirty="0" smtClean="0"/>
-              <a:t>function</a:t>
+              <a:t>Location of caller function</a:t>
             </a:r>
           </a:p>
           <a:p>
@@ -7121,11 +8048,7 @@
             </a:pPr>
             <a:r>
               <a:rPr lang="en-US" dirty="0" smtClean="0"/>
-              <a:t>Space </a:t>
-            </a:r>
-            <a:r>
-              <a:rPr lang="en-US" dirty="0" smtClean="0"/>
-              <a:t>for local variables</a:t>
+              <a:t>Space for local variables</a:t>
             </a:r>
           </a:p>
           <a:p>
@@ -7139,11 +8062,7 @@
             </a:pPr>
             <a:r>
               <a:rPr lang="en-US" dirty="0" smtClean="0"/>
-              <a:t>Stack </a:t>
-            </a:r>
-            <a:r>
-              <a:rPr lang="en-US" dirty="0" smtClean="0"/>
-              <a:t>pointer (SP) tells where lowest (current) stack frame is</a:t>
+              <a:t>Stack pointer (SP) tells where lowest (current) stack frame is</a:t>
             </a:r>
           </a:p>
           <a:p>
@@ -7157,15 +8076,7 @@
             </a:pPr>
             <a:r>
               <a:rPr lang="en-US" dirty="0" smtClean="0"/>
-              <a:t>When function ends</a:t>
-            </a:r>
-            <a:r>
-              <a:rPr lang="en-US" dirty="0" smtClean="0"/>
-              <a:t>, stack pointer is moved back (but data remains (garbage!)); frees memory for future stack </a:t>
-            </a:r>
-            <a:r>
-              <a:rPr lang="en-US" dirty="0" smtClean="0"/>
-              <a:t>frames</a:t>
+              <a:t>When function ends, stack pointer is moved back (but data remains (garbage!)); frees memory for future stack frames</a:t>
             </a:r>
             <a:endParaRPr lang="ru-RU" dirty="0"/>
           </a:p>
@@ -8630,24 +9541,10 @@
                   <a:srgbClr val="1E3272"/>
                 </a:solidFill>
               </a:rPr>
-              <a:t>Never </a:t>
-            </a:r>
-            <a:r>
-              <a:rPr lang="en-US" sz="2800" b="1" dirty="0" smtClean="0">
-                <a:solidFill>
-                  <a:srgbClr val="1E3272"/>
-                </a:solidFill>
-              </a:rPr>
-              <a:t>return pointers to local variable from </a:t>
-            </a:r>
-            <a:r>
-              <a:rPr lang="en-US" sz="2800" b="1" dirty="0" smtClean="0">
-                <a:solidFill>
-                  <a:srgbClr val="1E3272"/>
-                </a:solidFill>
-              </a:rPr>
-              <a:t>functions!</a:t>
-            </a:r>
+              <a:t>Never return pointers to local variable from functions!</a:t>
+            </a:r>
+          </a:p>
+          <a:p>
             <a:endParaRPr lang="en-US" sz="2800" b="1" dirty="0" smtClean="0">
               <a:solidFill>
                 <a:srgbClr val="1E3272"/>
@@ -8655,6 +9552,16 @@
             </a:endParaRPr>
           </a:p>
           <a:p>
+            <a:r>
+              <a:rPr lang="en-US" sz="2800" b="1" dirty="0" smtClean="0">
+                <a:solidFill>
+                  <a:srgbClr val="1E3272"/>
+                </a:solidFill>
+              </a:rPr>
+              <a:t>Your compiler will warn you about this.</a:t>
+            </a:r>
+          </a:p>
+          <a:p>
             <a:endParaRPr lang="en-US" sz="2800" b="1" dirty="0" smtClean="0">
               <a:solidFill>
                 <a:srgbClr val="1E3272"/>
@@ -8668,7 +9575,7 @@
                   <a:srgbClr val="1E3272"/>
                 </a:solidFill>
               </a:rPr>
-              <a:t>Your compiler will warn you about this.</a:t>
+              <a:t>Do not ignore such warnings!</a:t>
             </a:r>
           </a:p>
           <a:p>
@@ -8680,23 +9587,6 @@
           </a:p>
           <a:p>
             <a:r>
-              <a:rPr lang="en-US" sz="2800" b="1" dirty="0" smtClean="0">
-                <a:solidFill>
-                  <a:srgbClr val="1E3272"/>
-                </a:solidFill>
-              </a:rPr>
-              <a:t>Do not ignore such warnings!</a:t>
-            </a:r>
-          </a:p>
-          <a:p>
-            <a:endParaRPr lang="en-US" sz="2800" b="1" dirty="0" smtClean="0">
-              <a:solidFill>
-                <a:srgbClr val="1E3272"/>
-              </a:solidFill>
-            </a:endParaRPr>
-          </a:p>
-          <a:p>
-            <a:r>
               <a:rPr lang="en-US" sz="2800" b="1" dirty="0" err="1" smtClean="0">
                 <a:solidFill>
                   <a:srgbClr val="1E3272"/>
@@ -8710,15 +9600,7 @@
                   <a:srgbClr val="1E3272"/>
                 </a:solidFill>
               </a:rPr>
-              <a:t> </a:t>
-            </a:r>
-            <a:r>
-              <a:rPr lang="en-US" sz="2800" b="1" dirty="0" smtClean="0">
-                <a:solidFill>
-                  <a:srgbClr val="1E3272"/>
-                </a:solidFill>
-              </a:rPr>
-              <a:t>overwrites stack frames.</a:t>
+              <a:t> overwrites stack frames.</a:t>
             </a:r>
             <a:endParaRPr lang="ru-RU" sz="2800" b="1" dirty="0" smtClean="0">
               <a:solidFill>
@@ -9057,7 +9939,7 @@
   <a:extraClrSchemeLst/>
   <a:extLst>
     <a:ext uri="{05A4C25C-085E-4340-85A3-A5531E510DB2}">
-      <thm15:themeFamily xmlns:thm15="http://schemas.microsoft.com/office/thememl/2012/main" xmlns="" name="Office Theme" id="{62F939B6-93AF-4DB8-9C6B-D6C7DFDC589F}" vid="{4A3C46E8-61CC-4603-A589-7422A47A8E4A}"/>
+      <thm15:themeFamily xmlns="" xmlns:thm15="http://schemas.microsoft.com/office/thememl/2012/main" name="Office Theme" id="{62F939B6-93AF-4DB8-9C6B-D6C7DFDC589F}" vid="{4A3C46E8-61CC-4603-A589-7422A47A8E4A}"/>
     </a:ext>
   </a:extLst>
 </a:theme>
@@ -9318,7 +10200,7 @@
   <a:extraClrSchemeLst/>
   <a:extLst>
     <a:ext uri="{05A4C25C-085E-4340-85A3-A5531E510DB2}">
-      <thm15:themeFamily xmlns:thm15="http://schemas.microsoft.com/office/thememl/2012/main" xmlns="" name="Office Theme" id="{62F939B6-93AF-4DB8-9C6B-D6C7DFDC589F}" vid="{4A3C46E8-61CC-4603-A589-7422A47A8E4A}"/>
+      <thm15:themeFamily xmlns="" xmlns:thm15="http://schemas.microsoft.com/office/thememl/2012/main" name="Office Theme" id="{62F939B6-93AF-4DB8-9C6B-D6C7DFDC589F}" vid="{4A3C46E8-61CC-4603-A589-7422A47A8E4A}"/>
     </a:ext>
   </a:extLst>
 </a:theme>
@@ -9579,7 +10461,7 @@
   <a:extraClrSchemeLst/>
   <a:extLst>
     <a:ext uri="{05A4C25C-085E-4340-85A3-A5531E510DB2}">
-      <thm15:themeFamily xmlns:thm15="http://schemas.microsoft.com/office/thememl/2012/main" xmlns="" name="Office Theme" id="{62F939B6-93AF-4DB8-9C6B-D6C7DFDC589F}" vid="{4A3C46E8-61CC-4603-A589-7422A47A8E4A}"/>
+      <thm15:themeFamily xmlns="" xmlns:thm15="http://schemas.microsoft.com/office/thememl/2012/main" name="Office Theme" id="{62F939B6-93AF-4DB8-9C6B-D6C7DFDC589F}" vid="{4A3C46E8-61CC-4603-A589-7422A47A8E4A}"/>
     </a:ext>
   </a:extLst>
 </a:theme>
